--- a/meeting/20180601.pptx
+++ b/meeting/20180601.pptx
@@ -3458,6 +3458,20 @@
               <a:rPr kumimoji="1" lang="ja-JP" altLang="en-US"/>
               <a:t>可能か実験</a:t>
             </a:r>
+            <a:endParaRPr kumimoji="1" lang="en-US" altLang="ja-JP" dirty="0"/>
+          </a:p>
+          <a:p>
+            <a:endParaRPr lang="en-US" altLang="ja-JP" dirty="0"/>
+          </a:p>
+          <a:p>
+            <a:r>
+              <a:rPr kumimoji="1" lang="en-US" altLang="ja-JP" dirty="0"/>
+              <a:t>ancestor</a:t>
+            </a:r>
+            <a:r>
+              <a:rPr kumimoji="1" lang="ja-JP" altLang="en-US"/>
+              <a:t>軸の実装</a:t>
+            </a:r>
           </a:p>
         </p:txBody>
       </p:sp>
